--- a/Ибакаева.pptx
+++ b/Ибакаева.pptx
@@ -388,7 +388,7 @@
           <a:p>
             <a:fld id="{3A437E1B-BF00-41EC-9089-A3D2CF1C3BF5}" type="datetimeFigureOut">
               <a:rPr lang="ru-RU" smtClean="0"/>
-              <a:t>14.06.2015</a:t>
+              <a:t>19.06.2015</a:t>
             </a:fld>
             <a:endParaRPr lang="ru-RU" dirty="0"/>
           </a:p>
@@ -601,7 +601,7 @@
           <a:p>
             <a:fld id="{3A437E1B-BF00-41EC-9089-A3D2CF1C3BF5}" type="datetimeFigureOut">
               <a:rPr lang="ru-RU" smtClean="0"/>
-              <a:t>14.06.2015</a:t>
+              <a:t>19.06.2015</a:t>
             </a:fld>
             <a:endParaRPr lang="ru-RU" dirty="0"/>
           </a:p>
@@ -776,7 +776,7 @@
           <a:p>
             <a:fld id="{3A437E1B-BF00-41EC-9089-A3D2CF1C3BF5}" type="datetimeFigureOut">
               <a:rPr lang="ru-RU" smtClean="0"/>
-              <a:t>14.06.2015</a:t>
+              <a:t>19.06.2015</a:t>
             </a:fld>
             <a:endParaRPr lang="ru-RU" dirty="0"/>
           </a:p>
@@ -941,7 +941,7 @@
           <a:p>
             <a:fld id="{3A437E1B-BF00-41EC-9089-A3D2CF1C3BF5}" type="datetimeFigureOut">
               <a:rPr lang="ru-RU" smtClean="0"/>
-              <a:t>14.06.2015</a:t>
+              <a:t>19.06.2015</a:t>
             </a:fld>
             <a:endParaRPr lang="ru-RU" dirty="0"/>
           </a:p>
@@ -1225,7 +1225,7 @@
           <a:p>
             <a:fld id="{3A437E1B-BF00-41EC-9089-A3D2CF1C3BF5}" type="datetimeFigureOut">
               <a:rPr lang="ru-RU" smtClean="0"/>
-              <a:t>14.06.2015</a:t>
+              <a:t>19.06.2015</a:t>
             </a:fld>
             <a:endParaRPr lang="ru-RU" dirty="0"/>
           </a:p>
@@ -1551,7 +1551,7 @@
           <a:p>
             <a:fld id="{3A437E1B-BF00-41EC-9089-A3D2CF1C3BF5}" type="datetimeFigureOut">
               <a:rPr lang="ru-RU" smtClean="0"/>
-              <a:t>14.06.2015</a:t>
+              <a:t>19.06.2015</a:t>
             </a:fld>
             <a:endParaRPr lang="ru-RU" dirty="0"/>
           </a:p>
@@ -1976,7 +1976,7 @@
           <a:p>
             <a:fld id="{3A437E1B-BF00-41EC-9089-A3D2CF1C3BF5}" type="datetimeFigureOut">
               <a:rPr lang="ru-RU" smtClean="0"/>
-              <a:t>14.06.2015</a:t>
+              <a:t>19.06.2015</a:t>
             </a:fld>
             <a:endParaRPr lang="ru-RU" dirty="0"/>
           </a:p>
@@ -2149,7 +2149,7 @@
           <a:p>
             <a:fld id="{3A437E1B-BF00-41EC-9089-A3D2CF1C3BF5}" type="datetimeFigureOut">
               <a:rPr lang="ru-RU" smtClean="0"/>
-              <a:t>14.06.2015</a:t>
+              <a:t>19.06.2015</a:t>
             </a:fld>
             <a:endParaRPr lang="ru-RU" dirty="0"/>
           </a:p>
@@ -2239,7 +2239,7 @@
           <a:p>
             <a:fld id="{3A437E1B-BF00-41EC-9089-A3D2CF1C3BF5}" type="datetimeFigureOut">
               <a:rPr lang="ru-RU" smtClean="0"/>
-              <a:t>14.06.2015</a:t>
+              <a:t>19.06.2015</a:t>
             </a:fld>
             <a:endParaRPr lang="ru-RU" dirty="0"/>
           </a:p>
@@ -2519,7 +2519,7 @@
           <a:p>
             <a:fld id="{3A437E1B-BF00-41EC-9089-A3D2CF1C3BF5}" type="datetimeFigureOut">
               <a:rPr lang="ru-RU" smtClean="0"/>
-              <a:t>14.06.2015</a:t>
+              <a:t>19.06.2015</a:t>
             </a:fld>
             <a:endParaRPr lang="ru-RU" dirty="0"/>
           </a:p>
@@ -2818,7 +2818,7 @@
           <a:p>
             <a:fld id="{3A437E1B-BF00-41EC-9089-A3D2CF1C3BF5}" type="datetimeFigureOut">
               <a:rPr lang="ru-RU" smtClean="0"/>
-              <a:t>14.06.2015</a:t>
+              <a:t>19.06.2015</a:t>
             </a:fld>
             <a:endParaRPr lang="ru-RU" dirty="0"/>
           </a:p>
@@ -3028,7 +3028,7 @@
           <a:p>
             <a:fld id="{3A437E1B-BF00-41EC-9089-A3D2CF1C3BF5}" type="datetimeFigureOut">
               <a:rPr lang="ru-RU" smtClean="0"/>
-              <a:t>14.06.2015</a:t>
+              <a:t>19.06.2015</a:t>
             </a:fld>
             <a:endParaRPr lang="ru-RU" dirty="0"/>
           </a:p>
@@ -3643,6 +3643,9 @@
             <a:pPr algn="r"/>
             <a:r>
               <a:rPr lang="ru-RU" sz="2400" dirty="0" smtClean="0">
+                <a:solidFill>
+                  <a:schemeClr val="bg1"/>
+                </a:solidFill>
                 <a:latin typeface="Arial" panose="020B0604020202020204" pitchFamily="34" charset="0"/>
                 <a:cs typeface="Arial" panose="020B0604020202020204" pitchFamily="34" charset="0"/>
               </a:rPr>
@@ -3653,6 +3656,9 @@
             <a:pPr algn="r"/>
             <a:r>
               <a:rPr lang="ru-RU" sz="2400" dirty="0" smtClean="0">
+                <a:solidFill>
+                  <a:schemeClr val="bg1"/>
+                </a:solidFill>
                 <a:latin typeface="Arial" panose="020B0604020202020204" pitchFamily="34" charset="0"/>
                 <a:cs typeface="Arial" panose="020B0604020202020204" pitchFamily="34" charset="0"/>
               </a:rPr>
@@ -3660,6 +3666,9 @@
             </a:r>
             <a:r>
               <a:rPr lang="ru-RU" sz="2400" dirty="0" err="1" smtClean="0">
+                <a:solidFill>
+                  <a:schemeClr val="bg1"/>
+                </a:solidFill>
                 <a:latin typeface="Arial" panose="020B0604020202020204" pitchFamily="34" charset="0"/>
                 <a:cs typeface="Arial" panose="020B0604020202020204" pitchFamily="34" charset="0"/>
               </a:rPr>
@@ -3667,12 +3676,18 @@
             </a:r>
             <a:r>
               <a:rPr lang="ru-RU" sz="2400" dirty="0" smtClean="0">
+                <a:solidFill>
+                  <a:schemeClr val="bg1"/>
+                </a:solidFill>
                 <a:latin typeface="Arial" panose="020B0604020202020204" pitchFamily="34" charset="0"/>
                 <a:cs typeface="Arial" panose="020B0604020202020204" pitchFamily="34" charset="0"/>
               </a:rPr>
               <a:t> А.А</a:t>
             </a:r>
             <a:endParaRPr lang="ru-RU" sz="2400" dirty="0">
+              <a:solidFill>
+                <a:schemeClr val="bg1"/>
+              </a:solidFill>
               <a:latin typeface="Arial" panose="020B0604020202020204" pitchFamily="34" charset="0"/>
               <a:cs typeface="Arial" panose="020B0604020202020204" pitchFamily="34" charset="0"/>
             </a:endParaRPr>
@@ -4227,37 +4242,16 @@
                 <a:latin typeface="Arial" panose="020B0604020202020204" pitchFamily="34" charset="0"/>
                 <a:cs typeface="Arial" panose="020B0604020202020204" pitchFamily="34" charset="0"/>
               </a:rPr>
-              <a:t>Приспособленность </a:t>
-            </a:r>
+              <a:t>Приспособленность – квадратичная ошибка.</a:t>
+            </a:r>
+          </a:p>
+          <a:p>
             <a:r>
               <a:rPr lang="ru-RU" sz="3200" dirty="0" smtClean="0">
                 <a:latin typeface="Arial" panose="020B0604020202020204" pitchFamily="34" charset="0"/>
                 <a:cs typeface="Arial" panose="020B0604020202020204" pitchFamily="34" charset="0"/>
               </a:rPr>
-              <a:t>– квадратичная ошибка.</a:t>
-            </a:r>
-          </a:p>
-          <a:p>
-            <a:r>
-              <a:rPr lang="ru-RU" sz="3200" dirty="0" smtClean="0">
-                <a:latin typeface="Arial" panose="020B0604020202020204" pitchFamily="34" charset="0"/>
-                <a:cs typeface="Arial" panose="020B0604020202020204" pitchFamily="34" charset="0"/>
-              </a:rPr>
-              <a:t>Вычисление </a:t>
-            </a:r>
-            <a:r>
-              <a:rPr lang="ru-RU" sz="3200" dirty="0" smtClean="0">
-                <a:latin typeface="Arial" panose="020B0604020202020204" pitchFamily="34" charset="0"/>
-                <a:cs typeface="Arial" panose="020B0604020202020204" pitchFamily="34" charset="0"/>
-              </a:rPr>
-              <a:t>приспособленности </a:t>
-            </a:r>
-            <a:r>
-              <a:rPr lang="ru-RU" sz="3200" dirty="0" smtClean="0">
-                <a:latin typeface="Arial" panose="020B0604020202020204" pitchFamily="34" charset="0"/>
-                <a:cs typeface="Arial" panose="020B0604020202020204" pitchFamily="34" charset="0"/>
-              </a:rPr>
-              <a:t>и ее нормализация.</a:t>
+              <a:t>Вычисление приспособленности и ее нормализация.</a:t>
             </a:r>
             <a:endParaRPr lang="en-US" sz="3200" dirty="0" smtClean="0">
               <a:latin typeface="Arial" panose="020B0604020202020204" pitchFamily="34" charset="0"/>
@@ -9781,7 +9775,7 @@
         </p:nvSpPr>
         <p:spPr>
           <a:xfrm>
-            <a:off x="395536" y="1919064"/>
+            <a:off x="395536" y="1844824"/>
             <a:ext cx="8424936" cy="3886200"/>
           </a:xfrm>
         </p:spPr>
@@ -9791,8 +9785,13 @@
           </a:bodyPr>
           <a:lstStyle/>
           <a:p>
-            <a:r>
-              <a:rPr lang="ru-RU" sz="2800" dirty="0" smtClean="0">
+            <a:pPr>
+              <a:lnSpc>
+                <a:spcPct val="150000"/>
+              </a:lnSpc>
+            </a:pPr>
+            <a:r>
+              <a:rPr lang="ru-RU" sz="3200" dirty="0" smtClean="0">
                 <a:latin typeface="Arial" panose="020B0604020202020204" pitchFamily="34" charset="0"/>
                 <a:ea typeface="Cambria Math" panose="02040503050406030204" pitchFamily="18" charset="0"/>
                 <a:cs typeface="Arial" panose="020B0604020202020204" pitchFamily="34" charset="0"/>
@@ -9800,355 +9799,448 @@
               <a:t>Исходная функция:</a:t>
             </a:r>
             <a:r>
-              <a:rPr lang="en-US" sz="2800" smtClean="0">
+              <a:rPr lang="en-US" sz="3200" dirty="0" smtClean="0">
                 <a:latin typeface="Cambria Math" panose="02040503050406030204" pitchFamily="18" charset="0"/>
                 <a:ea typeface="Cambria Math" panose="02040503050406030204" pitchFamily="18" charset="0"/>
               </a:rPr>
               <a:t> </a:t>
             </a:r>
             <a:r>
-              <a:rPr lang="en-US" sz="2800" smtClean="0">
-                <a:latin typeface="Cambria Math" panose="02040503050406030204" pitchFamily="18" charset="0"/>
-                <a:ea typeface="Cambria Math" panose="02040503050406030204" pitchFamily="18" charset="0"/>
-              </a:rPr>
-              <a:t>sin</a:t>
-            </a:r>
-            <a:r>
-              <a:rPr lang="en-US" sz="2800" dirty="0" smtClean="0">
-                <a:latin typeface="Cambria Math" panose="02040503050406030204" pitchFamily="18" charset="0"/>
-                <a:ea typeface="Cambria Math" panose="02040503050406030204" pitchFamily="18" charset="0"/>
-              </a:rPr>
-              <a:t>⁡</a:t>
-            </a:r>
-            <a:r>
-              <a:rPr lang="ru-RU" sz="2800" dirty="0" smtClean="0">
-                <a:latin typeface="Cambria Math" panose="02040503050406030204" pitchFamily="18" charset="0"/>
-                <a:ea typeface="Cambria Math" panose="02040503050406030204" pitchFamily="18" charset="0"/>
-              </a:rPr>
-              <a:t> </a:t>
-            </a:r>
-            <a:r>
-              <a:rPr lang="en-US" sz="2800" dirty="0" smtClean="0">
-                <a:latin typeface="Cambria Math" panose="02040503050406030204" pitchFamily="18" charset="0"/>
-                <a:ea typeface="Cambria Math" panose="02040503050406030204" pitchFamily="18" charset="0"/>
-              </a:rPr>
-              <a:t>(</a:t>
-            </a:r>
-            <a:r>
-              <a:rPr lang="en-US" sz="2800" dirty="0" smtClean="0">
-                <a:latin typeface="Cambria Math" panose="02040503050406030204" pitchFamily="18" charset="0"/>
-                <a:ea typeface="Cambria Math" panose="02040503050406030204" pitchFamily="18" charset="0"/>
-              </a:rPr>
-              <a:t>x</a:t>
-            </a:r>
-            <a:r>
-              <a:rPr lang="ru-RU" sz="2800" dirty="0" smtClean="0">
-                <a:latin typeface="Cambria Math" panose="02040503050406030204" pitchFamily="18" charset="0"/>
-                <a:ea typeface="Cambria Math" panose="02040503050406030204" pitchFamily="18" charset="0"/>
-              </a:rPr>
-              <a:t> </a:t>
-            </a:r>
-            <a:r>
-              <a:rPr lang="en-US" sz="2800" dirty="0" smtClean="0">
-                <a:latin typeface="Cambria Math" panose="02040503050406030204" pitchFamily="18" charset="0"/>
-                <a:ea typeface="Cambria Math" panose="02040503050406030204" pitchFamily="18" charset="0"/>
-              </a:rPr>
-              <a:t>*</a:t>
-            </a:r>
-            <a:r>
-              <a:rPr lang="ru-RU" sz="2800" dirty="0" smtClean="0">
-                <a:latin typeface="Cambria Math" panose="02040503050406030204" pitchFamily="18" charset="0"/>
-                <a:ea typeface="Cambria Math" panose="02040503050406030204" pitchFamily="18" charset="0"/>
-              </a:rPr>
-              <a:t> </a:t>
-            </a:r>
-            <a:r>
-              <a:rPr lang="en-US" sz="2800" dirty="0" smtClean="0">
-                <a:latin typeface="Cambria Math" panose="02040503050406030204" pitchFamily="18" charset="0"/>
-                <a:ea typeface="Cambria Math" panose="02040503050406030204" pitchFamily="18" charset="0"/>
-              </a:rPr>
-              <a:t>x</a:t>
-            </a:r>
-            <a:r>
-              <a:rPr lang="en-US" sz="2800" dirty="0" smtClean="0">
-                <a:latin typeface="Cambria Math" panose="02040503050406030204" pitchFamily="18" charset="0"/>
-                <a:ea typeface="Cambria Math" panose="02040503050406030204" pitchFamily="18" charset="0"/>
-              </a:rPr>
-              <a:t>)</a:t>
-            </a:r>
-            <a:r>
-              <a:rPr lang="ru-RU" sz="2800" dirty="0" smtClean="0">
-                <a:latin typeface="Cambria Math" panose="02040503050406030204" pitchFamily="18" charset="0"/>
-                <a:ea typeface="Cambria Math" panose="02040503050406030204" pitchFamily="18" charset="0"/>
-              </a:rPr>
-              <a:t> </a:t>
-            </a:r>
-            <a:r>
-              <a:rPr lang="en-US" sz="2800" dirty="0" smtClean="0">
-                <a:latin typeface="Cambria Math" panose="02040503050406030204" pitchFamily="18" charset="0"/>
-                <a:ea typeface="Cambria Math" panose="02040503050406030204" pitchFamily="18" charset="0"/>
-              </a:rPr>
-              <a:t>*</a:t>
-            </a:r>
-            <a:r>
-              <a:rPr lang="ru-RU" sz="2800" dirty="0" smtClean="0">
-                <a:latin typeface="Cambria Math" panose="02040503050406030204" pitchFamily="18" charset="0"/>
-                <a:ea typeface="Cambria Math" panose="02040503050406030204" pitchFamily="18" charset="0"/>
-              </a:rPr>
-              <a:t> </a:t>
-            </a:r>
-            <a:r>
-              <a:rPr lang="en-US" sz="2800" dirty="0" smtClean="0">
-                <a:latin typeface="Cambria Math" panose="02040503050406030204" pitchFamily="18" charset="0"/>
-                <a:ea typeface="Cambria Math" panose="02040503050406030204" pitchFamily="18" charset="0"/>
-              </a:rPr>
-              <a:t>|</a:t>
-            </a:r>
-            <a:r>
-              <a:rPr lang="en-US" sz="2800" dirty="0">
-                <a:latin typeface="Cambria Math" panose="02040503050406030204" pitchFamily="18" charset="0"/>
-                <a:ea typeface="Cambria Math" panose="02040503050406030204" pitchFamily="18" charset="0"/>
-              </a:rPr>
-              <a:t>x+5.3</a:t>
-            </a:r>
-            <a:r>
-              <a:rPr lang="en-US" sz="2800" dirty="0" smtClean="0">
-                <a:latin typeface="Cambria Math" panose="02040503050406030204" pitchFamily="18" charset="0"/>
-                <a:ea typeface="Cambria Math" panose="02040503050406030204" pitchFamily="18" charset="0"/>
-              </a:rPr>
-              <a:t>|</a:t>
-            </a:r>
-            <a:r>
-              <a:rPr lang="ru-RU" sz="2800" dirty="0" smtClean="0">
-                <a:latin typeface="Cambria Math" panose="02040503050406030204" pitchFamily="18" charset="0"/>
-                <a:ea typeface="Cambria Math" panose="02040503050406030204" pitchFamily="18" charset="0"/>
-              </a:rPr>
-              <a:t> </a:t>
-            </a:r>
-            <a:r>
-              <a:rPr lang="en-US" sz="2800" dirty="0" smtClean="0">
-                <a:latin typeface="Cambria Math" panose="02040503050406030204" pitchFamily="18" charset="0"/>
-                <a:ea typeface="Cambria Math" panose="02040503050406030204" pitchFamily="18" charset="0"/>
-              </a:rPr>
-              <a:t>+</a:t>
-            </a:r>
-            <a:r>
-              <a:rPr lang="ru-RU" sz="2800" dirty="0" smtClean="0">
-                <a:latin typeface="Cambria Math" panose="02040503050406030204" pitchFamily="18" charset="0"/>
-                <a:ea typeface="Cambria Math" panose="02040503050406030204" pitchFamily="18" charset="0"/>
-              </a:rPr>
-              <a:t> </a:t>
-            </a:r>
-            <a:r>
-              <a:rPr lang="en-US" sz="2800" dirty="0" smtClean="0">
-                <a:latin typeface="Cambria Math" panose="02040503050406030204" pitchFamily="18" charset="0"/>
-                <a:ea typeface="Cambria Math" panose="02040503050406030204" pitchFamily="18" charset="0"/>
-              </a:rPr>
-              <a:t>x</a:t>
-            </a:r>
-            <a:endParaRPr lang="ru-RU" sz="2800" dirty="0" smtClean="0">
-              <a:latin typeface="Cambria Math" panose="02040503050406030204" pitchFamily="18" charset="0"/>
-              <a:ea typeface="Cambria Math" panose="02040503050406030204" pitchFamily="18" charset="0"/>
-            </a:endParaRPr>
-          </a:p>
-          <a:p>
-            <a:r>
-              <a:rPr lang="ru-RU" sz="2800" dirty="0" smtClean="0">
+              <a:rPr lang="en-US" sz="3200" dirty="0" smtClean="0">
                 <a:latin typeface="Arial" panose="020B0604020202020204" pitchFamily="34" charset="0"/>
                 <a:ea typeface="Cambria Math" panose="02040503050406030204" pitchFamily="18" charset="0"/>
                 <a:cs typeface="Arial" panose="020B0604020202020204" pitchFamily="34" charset="0"/>
               </a:rPr>
-              <a:t>Полученная функция:</a:t>
-            </a:r>
-            <a:r>
-              <a:rPr lang="ru-RU" sz="2800" dirty="0" smtClean="0">
-                <a:latin typeface="Cambria Math" panose="02040503050406030204" pitchFamily="18" charset="0"/>
+              <a:t>sin⁡</a:t>
+            </a:r>
+            <a:r>
+              <a:rPr lang="ru-RU" sz="3200" dirty="0" smtClean="0">
+                <a:latin typeface="Arial" panose="020B0604020202020204" pitchFamily="34" charset="0"/>
                 <a:ea typeface="Cambria Math" panose="02040503050406030204" pitchFamily="18" charset="0"/>
+                <a:cs typeface="Arial" panose="020B0604020202020204" pitchFamily="34" charset="0"/>
               </a:rPr>
               <a:t> </a:t>
             </a:r>
             <a:r>
-              <a:rPr lang="en-US" sz="2800" dirty="0" smtClean="0">
-                <a:latin typeface="Cambria Math" panose="02040503050406030204" pitchFamily="18" charset="0"/>
+              <a:rPr lang="en-US" sz="3200" dirty="0" smtClean="0">
+                <a:latin typeface="Arial" panose="020B0604020202020204" pitchFamily="34" charset="0"/>
                 <a:ea typeface="Cambria Math" panose="02040503050406030204" pitchFamily="18" charset="0"/>
+                <a:cs typeface="Arial" panose="020B0604020202020204" pitchFamily="34" charset="0"/>
               </a:rPr>
-              <a:t>((((</a:t>
-            </a:r>
-            <a:r>
-              <a:rPr lang="en-US" sz="2800" dirty="0">
-                <a:latin typeface="Cambria Math" panose="02040503050406030204" pitchFamily="18" charset="0"/>
+              <a:t>(x</a:t>
+            </a:r>
+            <a:r>
+              <a:rPr lang="ru-RU" sz="3200" dirty="0" smtClean="0">
+                <a:latin typeface="Arial" panose="020B0604020202020204" pitchFamily="34" charset="0"/>
                 <a:ea typeface="Cambria Math" panose="02040503050406030204" pitchFamily="18" charset="0"/>
-              </a:rPr>
-              <a:t>x / Sin [Sin [Sin [Sin [Sin [Sin [Abs [x]]]]]]]) + (((Sin [Sin [Cos [x]]] </a:t>
-            </a:r>
-            <a:r>
-              <a:rPr lang="en-US" sz="2800" dirty="0" smtClean="0">
-                <a:latin typeface="Cambria Math" panose="02040503050406030204" pitchFamily="18" charset="0"/>
-                <a:ea typeface="Cambria Math" panose="02040503050406030204" pitchFamily="18" charset="0"/>
-              </a:rPr>
-              <a:t>/ </a:t>
-            </a:r>
-            <a:r>
-              <a:rPr lang="en-US" sz="2800" dirty="0">
-                <a:latin typeface="Cambria Math" panose="02040503050406030204" pitchFamily="18" charset="0"/>
-                <a:ea typeface="Cambria Math" panose="02040503050406030204" pitchFamily="18" charset="0"/>
-              </a:rPr>
-              <a:t>(-0.0956802175023502</a:t>
-            </a:r>
-            <a:r>
-              <a:rPr lang="en-US" sz="2800" dirty="0" smtClean="0">
-                <a:latin typeface="Cambria Math" panose="02040503050406030204" pitchFamily="18" charset="0"/>
-                <a:ea typeface="Cambria Math" panose="02040503050406030204" pitchFamily="18" charset="0"/>
-              </a:rPr>
-              <a:t>))</a:t>
-            </a:r>
-            <a:r>
-              <a:rPr lang="ru-RU" sz="2800" dirty="0" smtClean="0">
-                <a:latin typeface="Cambria Math" panose="02040503050406030204" pitchFamily="18" charset="0"/>
-                <a:ea typeface="Cambria Math" panose="02040503050406030204" pitchFamily="18" charset="0"/>
+                <a:cs typeface="Arial" panose="020B0604020202020204" pitchFamily="34" charset="0"/>
               </a:rPr>
               <a:t> </a:t>
             </a:r>
             <a:r>
-              <a:rPr lang="en-US" sz="2800" dirty="0" smtClean="0">
-                <a:latin typeface="Cambria Math" panose="02040503050406030204" pitchFamily="18" charset="0"/>
+              <a:rPr lang="en-US" sz="3200" dirty="0" smtClean="0">
+                <a:latin typeface="Arial" panose="020B0604020202020204" pitchFamily="34" charset="0"/>
                 <a:ea typeface="Cambria Math" panose="02040503050406030204" pitchFamily="18" charset="0"/>
+                <a:cs typeface="Arial" panose="020B0604020202020204" pitchFamily="34" charset="0"/>
+              </a:rPr>
+              <a:t>*</a:t>
+            </a:r>
+            <a:r>
+              <a:rPr lang="ru-RU" sz="3200" dirty="0" smtClean="0">
+                <a:latin typeface="Arial" panose="020B0604020202020204" pitchFamily="34" charset="0"/>
+                <a:ea typeface="Cambria Math" panose="02040503050406030204" pitchFamily="18" charset="0"/>
+                <a:cs typeface="Arial" panose="020B0604020202020204" pitchFamily="34" charset="0"/>
+              </a:rPr>
+              <a:t> </a:t>
+            </a:r>
+            <a:r>
+              <a:rPr lang="en-US" sz="3200" dirty="0" smtClean="0">
+                <a:latin typeface="Arial" panose="020B0604020202020204" pitchFamily="34" charset="0"/>
+                <a:ea typeface="Cambria Math" panose="02040503050406030204" pitchFamily="18" charset="0"/>
+                <a:cs typeface="Arial" panose="020B0604020202020204" pitchFamily="34" charset="0"/>
+              </a:rPr>
+              <a:t>x)</a:t>
+            </a:r>
+            <a:r>
+              <a:rPr lang="ru-RU" sz="3200" dirty="0" smtClean="0">
+                <a:latin typeface="Arial" panose="020B0604020202020204" pitchFamily="34" charset="0"/>
+                <a:ea typeface="Cambria Math" panose="02040503050406030204" pitchFamily="18" charset="0"/>
+                <a:cs typeface="Arial" panose="020B0604020202020204" pitchFamily="34" charset="0"/>
+              </a:rPr>
+              <a:t> </a:t>
+            </a:r>
+            <a:r>
+              <a:rPr lang="en-US" sz="3200" dirty="0" smtClean="0">
+                <a:latin typeface="Arial" panose="020B0604020202020204" pitchFamily="34" charset="0"/>
+                <a:ea typeface="Cambria Math" panose="02040503050406030204" pitchFamily="18" charset="0"/>
+                <a:cs typeface="Arial" panose="020B0604020202020204" pitchFamily="34" charset="0"/>
+              </a:rPr>
+              <a:t>*</a:t>
+            </a:r>
+            <a:r>
+              <a:rPr lang="ru-RU" sz="3200" dirty="0" smtClean="0">
+                <a:latin typeface="Arial" panose="020B0604020202020204" pitchFamily="34" charset="0"/>
+                <a:ea typeface="Cambria Math" panose="02040503050406030204" pitchFamily="18" charset="0"/>
+                <a:cs typeface="Arial" panose="020B0604020202020204" pitchFamily="34" charset="0"/>
+              </a:rPr>
+              <a:t> </a:t>
+            </a:r>
+            <a:r>
+              <a:rPr lang="en-US" sz="3200" dirty="0" smtClean="0">
+                <a:latin typeface="Arial" panose="020B0604020202020204" pitchFamily="34" charset="0"/>
+                <a:ea typeface="Cambria Math" panose="02040503050406030204" pitchFamily="18" charset="0"/>
+                <a:cs typeface="Arial" panose="020B0604020202020204" pitchFamily="34" charset="0"/>
+              </a:rPr>
+              <a:t>|</a:t>
+            </a:r>
+            <a:r>
+              <a:rPr lang="en-US" sz="3200" dirty="0">
+                <a:latin typeface="Arial" panose="020B0604020202020204" pitchFamily="34" charset="0"/>
+                <a:ea typeface="Cambria Math" panose="02040503050406030204" pitchFamily="18" charset="0"/>
+                <a:cs typeface="Arial" panose="020B0604020202020204" pitchFamily="34" charset="0"/>
+              </a:rPr>
+              <a:t>x+5.3</a:t>
+            </a:r>
+            <a:r>
+              <a:rPr lang="en-US" sz="3200" dirty="0" smtClean="0">
+                <a:latin typeface="Arial" panose="020B0604020202020204" pitchFamily="34" charset="0"/>
+                <a:ea typeface="Cambria Math" panose="02040503050406030204" pitchFamily="18" charset="0"/>
+                <a:cs typeface="Arial" panose="020B0604020202020204" pitchFamily="34" charset="0"/>
+              </a:rPr>
+              <a:t>|</a:t>
+            </a:r>
+            <a:r>
+              <a:rPr lang="ru-RU" sz="3200" dirty="0" smtClean="0">
+                <a:latin typeface="Arial" panose="020B0604020202020204" pitchFamily="34" charset="0"/>
+                <a:ea typeface="Cambria Math" panose="02040503050406030204" pitchFamily="18" charset="0"/>
+                <a:cs typeface="Arial" panose="020B0604020202020204" pitchFamily="34" charset="0"/>
+              </a:rPr>
+              <a:t> </a:t>
+            </a:r>
+            <a:r>
+              <a:rPr lang="en-US" sz="3200" dirty="0" smtClean="0">
+                <a:latin typeface="Arial" panose="020B0604020202020204" pitchFamily="34" charset="0"/>
+                <a:ea typeface="Cambria Math" panose="02040503050406030204" pitchFamily="18" charset="0"/>
+                <a:cs typeface="Arial" panose="020B0604020202020204" pitchFamily="34" charset="0"/>
               </a:rPr>
               <a:t>+</a:t>
             </a:r>
             <a:r>
-              <a:rPr lang="ru-RU" sz="2800" dirty="0" smtClean="0">
-                <a:latin typeface="Cambria Math" panose="02040503050406030204" pitchFamily="18" charset="0"/>
+              <a:rPr lang="ru-RU" sz="3200" dirty="0" smtClean="0">
+                <a:latin typeface="Arial" panose="020B0604020202020204" pitchFamily="34" charset="0"/>
                 <a:ea typeface="Cambria Math" panose="02040503050406030204" pitchFamily="18" charset="0"/>
+                <a:cs typeface="Arial" panose="020B0604020202020204" pitchFamily="34" charset="0"/>
               </a:rPr>
               <a:t> </a:t>
             </a:r>
             <a:r>
-              <a:rPr lang="en-US" sz="2800" dirty="0" smtClean="0">
-                <a:latin typeface="Cambria Math" panose="02040503050406030204" pitchFamily="18" charset="0"/>
+              <a:rPr lang="en-US" sz="3200" dirty="0" smtClean="0">
+                <a:latin typeface="Arial" panose="020B0604020202020204" pitchFamily="34" charset="0"/>
                 <a:ea typeface="Cambria Math" panose="02040503050406030204" pitchFamily="18" charset="0"/>
+                <a:cs typeface="Arial" panose="020B0604020202020204" pitchFamily="34" charset="0"/>
               </a:rPr>
-              <a:t>6.150516695690124</a:t>
-            </a:r>
-            <a:r>
-              <a:rPr lang="en-US" sz="2800" dirty="0">
-                <a:latin typeface="Cambria Math" panose="02040503050406030204" pitchFamily="18" charset="0"/>
+              <a:t>x</a:t>
+            </a:r>
+            <a:endParaRPr lang="ru-RU" sz="3200" dirty="0" smtClean="0">
+              <a:latin typeface="Arial" panose="020B0604020202020204" pitchFamily="34" charset="0"/>
+              <a:ea typeface="Cambria Math" panose="02040503050406030204" pitchFamily="18" charset="0"/>
+              <a:cs typeface="Arial" panose="020B0604020202020204" pitchFamily="34" charset="0"/>
+            </a:endParaRPr>
+          </a:p>
+          <a:p>
+            <a:pPr algn="just"/>
+            <a:r>
+              <a:rPr lang="ru-RU" sz="3200" dirty="0" smtClean="0">
+                <a:latin typeface="Arial" panose="020B0604020202020204" pitchFamily="34" charset="0"/>
                 <a:ea typeface="Cambria Math" panose="02040503050406030204" pitchFamily="18" charset="0"/>
+                <a:cs typeface="Arial" panose="020B0604020202020204" pitchFamily="34" charset="0"/>
               </a:rPr>
-              <a:t>) </a:t>
-            </a:r>
-            <a:r>
-              <a:rPr lang="en-US" sz="2800" dirty="0" smtClean="0">
-                <a:latin typeface="Cambria Math" panose="02040503050406030204" pitchFamily="18" charset="0"/>
+              <a:t>Полученная функция: </a:t>
+            </a:r>
+            <a:r>
+              <a:rPr lang="en-US" sz="3200" dirty="0" smtClean="0">
+                <a:latin typeface="Arial" panose="020B0604020202020204" pitchFamily="34" charset="0"/>
                 <a:ea typeface="Cambria Math" panose="02040503050406030204" pitchFamily="18" charset="0"/>
+                <a:cs typeface="Arial" panose="020B0604020202020204" pitchFamily="34" charset="0"/>
               </a:rPr>
-              <a:t>+ </a:t>
-            </a:r>
-            <a:r>
-              <a:rPr lang="en-US" sz="2800" dirty="0">
-                <a:latin typeface="Cambria Math" panose="02040503050406030204" pitchFamily="18" charset="0"/>
+              <a:t>(</a:t>
+            </a:r>
+            <a:r>
+              <a:rPr lang="en-US" sz="3200" dirty="0" smtClean="0">
+                <a:latin typeface="Arial" panose="020B0604020202020204" pitchFamily="34" charset="0"/>
                 <a:ea typeface="Cambria Math" panose="02040503050406030204" pitchFamily="18" charset="0"/>
+                <a:cs typeface="Arial" panose="020B0604020202020204" pitchFamily="34" charset="0"/>
               </a:rPr>
-              <a:t>Sin [Sin [Sin [Sin [Abs [x]]]]])) </a:t>
-            </a:r>
-            <a:r>
-              <a:rPr lang="en-US" sz="2800" dirty="0" smtClean="0">
-                <a:latin typeface="Cambria Math" panose="02040503050406030204" pitchFamily="18" charset="0"/>
+              <a:t>sin[x</a:t>
+            </a:r>
+            <a:r>
+              <a:rPr lang="en-US" sz="3200" dirty="0" smtClean="0">
+                <a:latin typeface="Arial" panose="020B0604020202020204" pitchFamily="34" charset="0"/>
                 <a:ea typeface="Cambria Math" panose="02040503050406030204" pitchFamily="18" charset="0"/>
+                <a:cs typeface="Arial" panose="020B0604020202020204" pitchFamily="34" charset="0"/>
+              </a:rPr>
+              <a:t>]</a:t>
+            </a:r>
+            <a:r>
+              <a:rPr lang="ru-RU" sz="3200" dirty="0" smtClean="0">
+                <a:latin typeface="Arial" panose="020B0604020202020204" pitchFamily="34" charset="0"/>
+                <a:ea typeface="Cambria Math" panose="02040503050406030204" pitchFamily="18" charset="0"/>
+                <a:cs typeface="Arial" panose="020B0604020202020204" pitchFamily="34" charset="0"/>
+              </a:rPr>
+              <a:t> </a:t>
+            </a:r>
+            <a:r>
+              <a:rPr lang="en-US" sz="3200" dirty="0" smtClean="0">
+                <a:latin typeface="Arial" panose="020B0604020202020204" pitchFamily="34" charset="0"/>
+                <a:ea typeface="Cambria Math" panose="02040503050406030204" pitchFamily="18" charset="0"/>
+                <a:cs typeface="Arial" panose="020B0604020202020204" pitchFamily="34" charset="0"/>
               </a:rPr>
               <a:t>*</a:t>
             </a:r>
             <a:r>
-              <a:rPr lang="ru-RU" sz="2800" dirty="0">
-                <a:latin typeface="Cambria Math" panose="02040503050406030204" pitchFamily="18" charset="0"/>
+              <a:rPr lang="ru-RU" sz="3200" dirty="0" smtClean="0">
+                <a:latin typeface="Arial" panose="020B0604020202020204" pitchFamily="34" charset="0"/>
                 <a:ea typeface="Cambria Math" panose="02040503050406030204" pitchFamily="18" charset="0"/>
+                <a:cs typeface="Arial" panose="020B0604020202020204" pitchFamily="34" charset="0"/>
               </a:rPr>
               <a:t> </a:t>
             </a:r>
             <a:r>
-              <a:rPr lang="en-US" sz="2800" dirty="0" smtClean="0">
-                <a:latin typeface="Cambria Math" panose="02040503050406030204" pitchFamily="18" charset="0"/>
+              <a:rPr lang="en-US" sz="3200" dirty="0" smtClean="0">
+                <a:latin typeface="Arial" panose="020B0604020202020204" pitchFamily="34" charset="0"/>
                 <a:ea typeface="Cambria Math" panose="02040503050406030204" pitchFamily="18" charset="0"/>
+                <a:cs typeface="Arial" panose="020B0604020202020204" pitchFamily="34" charset="0"/>
               </a:rPr>
-              <a:t>Sin </a:t>
-            </a:r>
-            <a:r>
-              <a:rPr lang="en-US" sz="2800" dirty="0">
-                <a:latin typeface="Cambria Math" panose="02040503050406030204" pitchFamily="18" charset="0"/>
+              <a:t>(</a:t>
+            </a:r>
+            <a:r>
+              <a:rPr lang="en-US" sz="3200" dirty="0" smtClean="0">
+                <a:latin typeface="Arial" panose="020B0604020202020204" pitchFamily="34" charset="0"/>
                 <a:ea typeface="Cambria Math" panose="02040503050406030204" pitchFamily="18" charset="0"/>
+                <a:cs typeface="Arial" panose="020B0604020202020204" pitchFamily="34" charset="0"/>
               </a:rPr>
-              <a:t>[Sin [Sin [Sin [Sin [Cos [Abs [x]]]]]]]) </a:t>
-            </a:r>
-            <a:r>
-              <a:rPr lang="en-US" sz="2800" dirty="0" smtClean="0">
-                <a:latin typeface="Cambria Math" panose="02040503050406030204" pitchFamily="18" charset="0"/>
+              <a:t>sin[|</a:t>
+            </a:r>
+            <a:r>
+              <a:rPr lang="en-US" sz="3200" dirty="0" smtClean="0">
+                <a:latin typeface="Arial" panose="020B0604020202020204" pitchFamily="34" charset="0"/>
                 <a:ea typeface="Cambria Math" panose="02040503050406030204" pitchFamily="18" charset="0"/>
+                <a:cs typeface="Arial" panose="020B0604020202020204" pitchFamily="34" charset="0"/>
               </a:rPr>
-              <a:t>+ </a:t>
-            </a:r>
-            <a:r>
-              <a:rPr lang="en-US" sz="2800" dirty="0">
-                <a:latin typeface="Cambria Math" panose="02040503050406030204" pitchFamily="18" charset="0"/>
+              <a:t>x</a:t>
+            </a:r>
+            <a:r>
+              <a:rPr lang="en-US" sz="3200" dirty="0" smtClean="0">
+                <a:latin typeface="Arial" panose="020B0604020202020204" pitchFamily="34" charset="0"/>
                 <a:ea typeface="Cambria Math" panose="02040503050406030204" pitchFamily="18" charset="0"/>
+                <a:cs typeface="Arial" panose="020B0604020202020204" pitchFamily="34" charset="0"/>
               </a:rPr>
-              <a:t>(((Cos [Sin [Sin [Cos [x]]]] / Log [Sin [Cos [Sin [Abs [x]]]]]) </a:t>
-            </a:r>
-            <a:r>
-              <a:rPr lang="en-US" sz="2800" dirty="0" smtClean="0">
-                <a:latin typeface="Cambria Math" panose="02040503050406030204" pitchFamily="18" charset="0"/>
+              <a:t>|</a:t>
+            </a:r>
+            <a:r>
+              <a:rPr lang="ru-RU" sz="3200" dirty="0" smtClean="0">
+                <a:latin typeface="Arial" panose="020B0604020202020204" pitchFamily="34" charset="0"/>
                 <a:ea typeface="Cambria Math" panose="02040503050406030204" pitchFamily="18" charset="0"/>
+                <a:cs typeface="Arial" panose="020B0604020202020204" pitchFamily="34" charset="0"/>
               </a:rPr>
-              <a:t>+ </a:t>
-            </a:r>
-            <a:r>
-              <a:rPr lang="en-US" sz="2800" dirty="0">
-                <a:latin typeface="Cambria Math" panose="02040503050406030204" pitchFamily="18" charset="0"/>
+              <a:t> </a:t>
+            </a:r>
+            <a:r>
+              <a:rPr lang="en-US" sz="3200" dirty="0" smtClean="0">
+                <a:latin typeface="Arial" panose="020B0604020202020204" pitchFamily="34" charset="0"/>
                 <a:ea typeface="Cambria Math" panose="02040503050406030204" pitchFamily="18" charset="0"/>
+                <a:cs typeface="Arial" panose="020B0604020202020204" pitchFamily="34" charset="0"/>
               </a:rPr>
-              <a:t>Sin [Sin [Sin [Sin [Sin [Sin [Sin [Cos [Abs [x]]]]]]]]] </a:t>
-            </a:r>
-            <a:r>
-              <a:rPr lang="en-US" sz="2800" dirty="0" smtClean="0">
-                <a:latin typeface="Cambria Math" panose="02040503050406030204" pitchFamily="18" charset="0"/>
+              <a:t>*</a:t>
+            </a:r>
+            <a:r>
+              <a:rPr lang="ru-RU" sz="3200" dirty="0" smtClean="0">
+                <a:latin typeface="Arial" panose="020B0604020202020204" pitchFamily="34" charset="0"/>
                 <a:ea typeface="Cambria Math" panose="02040503050406030204" pitchFamily="18" charset="0"/>
+                <a:cs typeface="Arial" panose="020B0604020202020204" pitchFamily="34" charset="0"/>
+              </a:rPr>
+              <a:t> </a:t>
+            </a:r>
+            <a:r>
+              <a:rPr lang="en-US" sz="3200" dirty="0" smtClean="0">
+                <a:latin typeface="Arial" panose="020B0604020202020204" pitchFamily="34" charset="0"/>
+                <a:ea typeface="Cambria Math" panose="02040503050406030204" pitchFamily="18" charset="0"/>
+                <a:cs typeface="Arial" panose="020B0604020202020204" pitchFamily="34" charset="0"/>
+              </a:rPr>
+              <a:t>x</a:t>
+            </a:r>
+            <a:r>
+              <a:rPr lang="en-US" sz="3200" dirty="0" smtClean="0">
+                <a:latin typeface="Arial" panose="020B0604020202020204" pitchFamily="34" charset="0"/>
+                <a:ea typeface="Cambria Math" panose="02040503050406030204" pitchFamily="18" charset="0"/>
+                <a:cs typeface="Arial" panose="020B0604020202020204" pitchFamily="34" charset="0"/>
+              </a:rPr>
+              <a:t>]</a:t>
+            </a:r>
+            <a:r>
+              <a:rPr lang="ru-RU" sz="3200" dirty="0" smtClean="0">
+                <a:latin typeface="Arial" panose="020B0604020202020204" pitchFamily="34" charset="0"/>
+                <a:ea typeface="Cambria Math" panose="02040503050406030204" pitchFamily="18" charset="0"/>
+                <a:cs typeface="Arial" panose="020B0604020202020204" pitchFamily="34" charset="0"/>
+              </a:rPr>
+              <a:t> *</a:t>
+            </a:r>
+            <a:endParaRPr lang="en-US" sz="3200" dirty="0" smtClean="0">
+              <a:latin typeface="Arial" panose="020B0604020202020204" pitchFamily="34" charset="0"/>
+              <a:ea typeface="Cambria Math" panose="02040503050406030204" pitchFamily="18" charset="0"/>
+              <a:cs typeface="Arial" panose="020B0604020202020204" pitchFamily="34" charset="0"/>
+            </a:endParaRPr>
+          </a:p>
+          <a:p>
+            <a:pPr marL="0" indent="0">
+              <a:buNone/>
+            </a:pPr>
+            <a:r>
+              <a:rPr lang="en-US" sz="3200" dirty="0" smtClean="0">
+                <a:latin typeface="Arial" panose="020B0604020202020204" pitchFamily="34" charset="0"/>
+                <a:ea typeface="Cambria Math" panose="02040503050406030204" pitchFamily="18" charset="0"/>
+                <a:cs typeface="Arial" panose="020B0604020202020204" pitchFamily="34" charset="0"/>
+              </a:rPr>
+              <a:t>* </a:t>
+            </a:r>
+            <a:r>
+              <a:rPr lang="en-US" sz="3200" dirty="0" smtClean="0">
+                <a:latin typeface="Arial" panose="020B0604020202020204" pitchFamily="34" charset="0"/>
+                <a:ea typeface="Cambria Math" panose="02040503050406030204" pitchFamily="18" charset="0"/>
+                <a:cs typeface="Arial" panose="020B0604020202020204" pitchFamily="34" charset="0"/>
+              </a:rPr>
+              <a:t>6.153042384853204)</a:t>
+            </a:r>
+            <a:r>
+              <a:rPr lang="ru-RU" sz="3200" dirty="0" smtClean="0">
+                <a:latin typeface="Arial" panose="020B0604020202020204" pitchFamily="34" charset="0"/>
+                <a:ea typeface="Cambria Math" panose="02040503050406030204" pitchFamily="18" charset="0"/>
+                <a:cs typeface="Arial" panose="020B0604020202020204" pitchFamily="34" charset="0"/>
+              </a:rPr>
+              <a:t> </a:t>
+            </a:r>
+            <a:r>
+              <a:rPr lang="en-US" sz="3200" dirty="0" smtClean="0">
+                <a:latin typeface="Arial" panose="020B0604020202020204" pitchFamily="34" charset="0"/>
+                <a:ea typeface="Cambria Math" panose="02040503050406030204" pitchFamily="18" charset="0"/>
+                <a:cs typeface="Arial" panose="020B0604020202020204" pitchFamily="34" charset="0"/>
               </a:rPr>
               <a:t>+</a:t>
             </a:r>
             <a:r>
-              <a:rPr lang="ru-RU" sz="2800" dirty="0" smtClean="0">
-                <a:latin typeface="Cambria Math" panose="02040503050406030204" pitchFamily="18" charset="0"/>
+              <a:rPr lang="ru-RU" sz="3200" dirty="0" smtClean="0">
+                <a:latin typeface="Arial" panose="020B0604020202020204" pitchFamily="34" charset="0"/>
                 <a:ea typeface="Cambria Math" panose="02040503050406030204" pitchFamily="18" charset="0"/>
+                <a:cs typeface="Arial" panose="020B0604020202020204" pitchFamily="34" charset="0"/>
               </a:rPr>
               <a:t> </a:t>
             </a:r>
             <a:r>
-              <a:rPr lang="en-US" sz="2800" dirty="0" smtClean="0">
-                <a:latin typeface="Cambria Math" panose="02040503050406030204" pitchFamily="18" charset="0"/>
+              <a:rPr lang="en-US" sz="3200" dirty="0" smtClean="0">
+                <a:latin typeface="Arial" panose="020B0604020202020204" pitchFamily="34" charset="0"/>
                 <a:ea typeface="Cambria Math" panose="02040503050406030204" pitchFamily="18" charset="0"/>
+                <a:cs typeface="Arial" panose="020B0604020202020204" pitchFamily="34" charset="0"/>
               </a:rPr>
-              <a:t>5.472573</a:t>
-            </a:r>
-            <a:r>
-              <a:rPr lang="en-US" sz="2800" dirty="0">
-                <a:latin typeface="Cambria Math" panose="02040503050406030204" pitchFamily="18" charset="0"/>
+              <a:t>|x|)</a:t>
+            </a:r>
+            <a:r>
+              <a:rPr lang="ru-RU" sz="3200" dirty="0" smtClean="0">
+                <a:latin typeface="Arial" panose="020B0604020202020204" pitchFamily="34" charset="0"/>
                 <a:ea typeface="Cambria Math" panose="02040503050406030204" pitchFamily="18" charset="0"/>
+                <a:cs typeface="Arial" panose="020B0604020202020204" pitchFamily="34" charset="0"/>
               </a:rPr>
-              <a:t>)) </a:t>
-            </a:r>
-            <a:r>
-              <a:rPr lang="en-US" sz="2800" dirty="0" smtClean="0">
-                <a:latin typeface="Cambria Math" panose="02040503050406030204" pitchFamily="18" charset="0"/>
+              <a:t> </a:t>
+            </a:r>
+            <a:r>
+              <a:rPr lang="en-US" sz="3200" dirty="0" smtClean="0">
+                <a:latin typeface="Arial" panose="020B0604020202020204" pitchFamily="34" charset="0"/>
                 <a:ea typeface="Cambria Math" panose="02040503050406030204" pitchFamily="18" charset="0"/>
+                <a:cs typeface="Arial" panose="020B0604020202020204" pitchFamily="34" charset="0"/>
               </a:rPr>
-              <a:t>+ </a:t>
-            </a:r>
-            <a:r>
-              <a:rPr lang="en-US" sz="2800" dirty="0">
-                <a:latin typeface="Cambria Math" panose="02040503050406030204" pitchFamily="18" charset="0"/>
+              <a:t>+</a:t>
+            </a:r>
+            <a:r>
+              <a:rPr lang="ru-RU" sz="3200" dirty="0" smtClean="0">
+                <a:latin typeface="Arial" panose="020B0604020202020204" pitchFamily="34" charset="0"/>
                 <a:ea typeface="Cambria Math" panose="02040503050406030204" pitchFamily="18" charset="0"/>
+                <a:cs typeface="Arial" panose="020B0604020202020204" pitchFamily="34" charset="0"/>
               </a:rPr>
-              <a:t>Sin [Sin [Sin [Sin [Sin [Sin [Cos [x]]]]]]])) * Abs[x] </a:t>
-            </a:r>
+              <a:t> </a:t>
+            </a:r>
+            <a:r>
+              <a:rPr lang="en-US" sz="3200" dirty="0" smtClean="0">
+                <a:latin typeface="Arial" panose="020B0604020202020204" pitchFamily="34" charset="0"/>
+                <a:ea typeface="Cambria Math" panose="02040503050406030204" pitchFamily="18" charset="0"/>
+                <a:cs typeface="Arial" panose="020B0604020202020204" pitchFamily="34" charset="0"/>
+              </a:rPr>
+              <a:t>sin</a:t>
+            </a:r>
+            <a:r>
+              <a:rPr lang="ru-RU" sz="3200" dirty="0" smtClean="0">
+                <a:latin typeface="Arial" panose="020B0604020202020204" pitchFamily="34" charset="0"/>
+                <a:ea typeface="Cambria Math" panose="02040503050406030204" pitchFamily="18" charset="0"/>
+                <a:cs typeface="Arial" panose="020B0604020202020204" pitchFamily="34" charset="0"/>
+              </a:rPr>
+              <a:t> </a:t>
+            </a:r>
+            <a:r>
+              <a:rPr lang="en-US" sz="3200" dirty="0" smtClean="0">
+                <a:latin typeface="Arial" panose="020B0604020202020204" pitchFamily="34" charset="0"/>
+                <a:ea typeface="Cambria Math" panose="02040503050406030204" pitchFamily="18" charset="0"/>
+                <a:cs typeface="Arial" panose="020B0604020202020204" pitchFamily="34" charset="0"/>
+              </a:rPr>
+              <a:t>[|x</a:t>
+            </a:r>
+            <a:r>
+              <a:rPr lang="en-US" sz="3200" dirty="0">
+                <a:latin typeface="Arial" panose="020B0604020202020204" pitchFamily="34" charset="0"/>
+                <a:ea typeface="Cambria Math" panose="02040503050406030204" pitchFamily="18" charset="0"/>
+                <a:cs typeface="Arial" panose="020B0604020202020204" pitchFamily="34" charset="0"/>
+              </a:rPr>
+              <a:t>|</a:t>
+            </a:r>
+            <a:r>
+              <a:rPr lang="ru-RU" sz="3200" dirty="0" smtClean="0">
+                <a:latin typeface="Arial" panose="020B0604020202020204" pitchFamily="34" charset="0"/>
+                <a:ea typeface="Cambria Math" panose="02040503050406030204" pitchFamily="18" charset="0"/>
+                <a:cs typeface="Arial" panose="020B0604020202020204" pitchFamily="34" charset="0"/>
+              </a:rPr>
+              <a:t> </a:t>
+            </a:r>
+            <a:r>
+              <a:rPr lang="en-US" sz="3200" dirty="0" smtClean="0">
+                <a:latin typeface="Arial" panose="020B0604020202020204" pitchFamily="34" charset="0"/>
+                <a:ea typeface="Cambria Math" panose="02040503050406030204" pitchFamily="18" charset="0"/>
+                <a:cs typeface="Arial" panose="020B0604020202020204" pitchFamily="34" charset="0"/>
+              </a:rPr>
+              <a:t>*</a:t>
+            </a:r>
+            <a:r>
+              <a:rPr lang="ru-RU" sz="3200" dirty="0" smtClean="0">
+                <a:latin typeface="Arial" panose="020B0604020202020204" pitchFamily="34" charset="0"/>
+                <a:ea typeface="Cambria Math" panose="02040503050406030204" pitchFamily="18" charset="0"/>
+                <a:cs typeface="Arial" panose="020B0604020202020204" pitchFamily="34" charset="0"/>
+              </a:rPr>
+              <a:t> </a:t>
+            </a:r>
+            <a:r>
+              <a:rPr lang="en-US" sz="3200" dirty="0" smtClean="0">
+                <a:latin typeface="Arial" panose="020B0604020202020204" pitchFamily="34" charset="0"/>
+                <a:ea typeface="Cambria Math" panose="02040503050406030204" pitchFamily="18" charset="0"/>
+                <a:cs typeface="Arial" panose="020B0604020202020204" pitchFamily="34" charset="0"/>
+              </a:rPr>
+              <a:t>x</a:t>
+            </a:r>
+            <a:r>
+              <a:rPr lang="en-US" sz="3200" dirty="0">
+                <a:latin typeface="Arial" panose="020B0604020202020204" pitchFamily="34" charset="0"/>
+                <a:ea typeface="Cambria Math" panose="02040503050406030204" pitchFamily="18" charset="0"/>
+                <a:cs typeface="Arial" panose="020B0604020202020204" pitchFamily="34" charset="0"/>
+              </a:rPr>
+              <a:t>] </a:t>
+            </a:r>
+          </a:p>
+          <a:p>
             <a:endParaRPr lang="ru-RU" sz="2800" dirty="0">
               <a:latin typeface="Cambria Math" panose="02040503050406030204" pitchFamily="18" charset="0"/>
               <a:ea typeface="Cambria Math" panose="02040503050406030204" pitchFamily="18" charset="0"/>
@@ -10372,16 +10464,14 @@
           <a:bodyPr/>
           <a:lstStyle/>
           <a:p>
-            <a:endParaRPr lang="ru-RU"/>
+            <a:endParaRPr lang="ru-RU" dirty="0"/>
           </a:p>
         </p:txBody>
       </p:sp>
       <p:pic>
         <p:nvPicPr>
-          <p:cNvPr id="4" name="Picture 2" descr="C:\Users\Анна\Desktop\Experiment.png"/>
-          <p:cNvPicPr>
-            <a:picLocks noChangeAspect="1" noChangeArrowheads="1"/>
-          </p:cNvPicPr>
+          <p:cNvPr id="6" name="Рисунок 5" descr="C:\Users\Анна\Desktop\Plot.png"/>
+          <p:cNvPicPr/>
           <p:nvPr/>
         </p:nvPicPr>
         <p:blipFill>
@@ -10399,24 +10489,418 @@
         </p:blipFill>
         <p:spPr bwMode="auto">
           <a:xfrm>
-            <a:off x="611560" y="1700808"/>
-            <a:ext cx="7900778" cy="4896544"/>
+            <a:off x="683568" y="1645984"/>
+            <a:ext cx="7992888" cy="4728612"/>
           </a:xfrm>
           <a:prstGeom prst="rect">
             <a:avLst/>
           </a:prstGeom>
           <a:noFill/>
-          <a:extLst>
-            <a:ext uri="{909E8E84-426E-40DD-AFC4-6F175D3DCCD1}">
-              <a14:hiddenFill xmlns:a14="http://schemas.microsoft.com/office/drawing/2010/main">
-                <a:solidFill>
-                  <a:srgbClr val="FFFFFF"/>
-                </a:solidFill>
-              </a14:hiddenFill>
-            </a:ext>
-          </a:extLst>
+          <a:ln>
+            <a:noFill/>
+          </a:ln>
         </p:spPr>
       </p:pic>
+      <p:sp>
+        <p:nvSpPr>
+          <p:cNvPr id="7" name="Овал 6"/>
+          <p:cNvSpPr/>
+          <p:nvPr/>
+        </p:nvSpPr>
+        <p:spPr>
+          <a:xfrm>
+            <a:off x="827584" y="4797152"/>
+            <a:ext cx="72008" cy="72008"/>
+          </a:xfrm>
+          <a:prstGeom prst="ellipse">
+            <a:avLst/>
+          </a:prstGeom>
+        </p:spPr>
+        <p:style>
+          <a:lnRef idx="2">
+            <a:schemeClr val="dk1">
+              <a:shade val="50000"/>
+            </a:schemeClr>
+          </a:lnRef>
+          <a:fillRef idx="1">
+            <a:schemeClr val="dk1"/>
+          </a:fillRef>
+          <a:effectRef idx="0">
+            <a:schemeClr val="dk1"/>
+          </a:effectRef>
+          <a:fontRef idx="minor">
+            <a:schemeClr val="lt1"/>
+          </a:fontRef>
+        </p:style>
+        <p:txBody>
+          <a:bodyPr rtlCol="0" anchor="ctr"/>
+          <a:lstStyle/>
+          <a:p>
+            <a:pPr algn="ctr"/>
+            <a:endParaRPr lang="ru-RU"/>
+          </a:p>
+        </p:txBody>
+      </p:sp>
+      <p:sp>
+        <p:nvSpPr>
+          <p:cNvPr id="8" name="Овал 7"/>
+          <p:cNvSpPr/>
+          <p:nvPr/>
+        </p:nvSpPr>
+        <p:spPr>
+          <a:xfrm>
+            <a:off x="3347864" y="4797152"/>
+            <a:ext cx="72008" cy="72008"/>
+          </a:xfrm>
+          <a:prstGeom prst="ellipse">
+            <a:avLst/>
+          </a:prstGeom>
+        </p:spPr>
+        <p:style>
+          <a:lnRef idx="2">
+            <a:schemeClr val="dk1">
+              <a:shade val="50000"/>
+            </a:schemeClr>
+          </a:lnRef>
+          <a:fillRef idx="1">
+            <a:schemeClr val="dk1"/>
+          </a:fillRef>
+          <a:effectRef idx="0">
+            <a:schemeClr val="dk1"/>
+          </a:effectRef>
+          <a:fontRef idx="minor">
+            <a:schemeClr val="lt1"/>
+          </a:fontRef>
+        </p:style>
+        <p:txBody>
+          <a:bodyPr rtlCol="0" anchor="ctr"/>
+          <a:lstStyle/>
+          <a:p>
+            <a:pPr algn="ctr"/>
+            <a:endParaRPr lang="ru-RU"/>
+          </a:p>
+        </p:txBody>
+      </p:sp>
+      <p:sp>
+        <p:nvSpPr>
+          <p:cNvPr id="9" name="Овал 8"/>
+          <p:cNvSpPr/>
+          <p:nvPr/>
+        </p:nvSpPr>
+        <p:spPr>
+          <a:xfrm>
+            <a:off x="2627784" y="4797152"/>
+            <a:ext cx="72008" cy="72008"/>
+          </a:xfrm>
+          <a:prstGeom prst="ellipse">
+            <a:avLst/>
+          </a:prstGeom>
+        </p:spPr>
+        <p:style>
+          <a:lnRef idx="2">
+            <a:schemeClr val="dk1">
+              <a:shade val="50000"/>
+            </a:schemeClr>
+          </a:lnRef>
+          <a:fillRef idx="1">
+            <a:schemeClr val="dk1"/>
+          </a:fillRef>
+          <a:effectRef idx="0">
+            <a:schemeClr val="dk1"/>
+          </a:effectRef>
+          <a:fontRef idx="minor">
+            <a:schemeClr val="lt1"/>
+          </a:fontRef>
+        </p:style>
+        <p:txBody>
+          <a:bodyPr rtlCol="0" anchor="ctr"/>
+          <a:lstStyle/>
+          <a:p>
+            <a:pPr algn="ctr"/>
+            <a:endParaRPr lang="ru-RU"/>
+          </a:p>
+        </p:txBody>
+      </p:sp>
+      <p:sp>
+        <p:nvSpPr>
+          <p:cNvPr id="10" name="Овал 9"/>
+          <p:cNvSpPr/>
+          <p:nvPr/>
+        </p:nvSpPr>
+        <p:spPr>
+          <a:xfrm>
+            <a:off x="2843808" y="4797152"/>
+            <a:ext cx="72008" cy="72008"/>
+          </a:xfrm>
+          <a:prstGeom prst="ellipse">
+            <a:avLst/>
+          </a:prstGeom>
+        </p:spPr>
+        <p:style>
+          <a:lnRef idx="2">
+            <a:schemeClr val="dk1">
+              <a:shade val="50000"/>
+            </a:schemeClr>
+          </a:lnRef>
+          <a:fillRef idx="1">
+            <a:schemeClr val="dk1"/>
+          </a:fillRef>
+          <a:effectRef idx="0">
+            <a:schemeClr val="dk1"/>
+          </a:effectRef>
+          <a:fontRef idx="minor">
+            <a:schemeClr val="lt1"/>
+          </a:fontRef>
+        </p:style>
+        <p:txBody>
+          <a:bodyPr rtlCol="0" anchor="ctr"/>
+          <a:lstStyle/>
+          <a:p>
+            <a:pPr algn="ctr"/>
+            <a:endParaRPr lang="ru-RU"/>
+          </a:p>
+        </p:txBody>
+      </p:sp>
+      <p:sp>
+        <p:nvSpPr>
+          <p:cNvPr id="11" name="Овал 10"/>
+          <p:cNvSpPr/>
+          <p:nvPr/>
+        </p:nvSpPr>
+        <p:spPr>
+          <a:xfrm>
+            <a:off x="3635896" y="4797152"/>
+            <a:ext cx="72008" cy="72008"/>
+          </a:xfrm>
+          <a:prstGeom prst="ellipse">
+            <a:avLst/>
+          </a:prstGeom>
+        </p:spPr>
+        <p:style>
+          <a:lnRef idx="2">
+            <a:schemeClr val="dk1">
+              <a:shade val="50000"/>
+            </a:schemeClr>
+          </a:lnRef>
+          <a:fillRef idx="1">
+            <a:schemeClr val="dk1"/>
+          </a:fillRef>
+          <a:effectRef idx="0">
+            <a:schemeClr val="dk1"/>
+          </a:effectRef>
+          <a:fontRef idx="minor">
+            <a:schemeClr val="lt1"/>
+          </a:fontRef>
+        </p:style>
+        <p:txBody>
+          <a:bodyPr rtlCol="0" anchor="ctr"/>
+          <a:lstStyle/>
+          <a:p>
+            <a:pPr algn="ctr"/>
+            <a:endParaRPr lang="ru-RU"/>
+          </a:p>
+        </p:txBody>
+      </p:sp>
+      <p:sp>
+        <p:nvSpPr>
+          <p:cNvPr id="12" name="Овал 11"/>
+          <p:cNvSpPr/>
+          <p:nvPr/>
+        </p:nvSpPr>
+        <p:spPr>
+          <a:xfrm>
+            <a:off x="4644008" y="4797152"/>
+            <a:ext cx="72008" cy="72008"/>
+          </a:xfrm>
+          <a:prstGeom prst="ellipse">
+            <a:avLst/>
+          </a:prstGeom>
+        </p:spPr>
+        <p:style>
+          <a:lnRef idx="2">
+            <a:schemeClr val="dk1">
+              <a:shade val="50000"/>
+            </a:schemeClr>
+          </a:lnRef>
+          <a:fillRef idx="1">
+            <a:schemeClr val="dk1"/>
+          </a:fillRef>
+          <a:effectRef idx="0">
+            <a:schemeClr val="dk1"/>
+          </a:effectRef>
+          <a:fontRef idx="minor">
+            <a:schemeClr val="lt1"/>
+          </a:fontRef>
+        </p:style>
+        <p:txBody>
+          <a:bodyPr rtlCol="0" anchor="ctr"/>
+          <a:lstStyle/>
+          <a:p>
+            <a:pPr algn="ctr"/>
+            <a:endParaRPr lang="ru-RU"/>
+          </a:p>
+        </p:txBody>
+      </p:sp>
+      <p:sp>
+        <p:nvSpPr>
+          <p:cNvPr id="13" name="Овал 12"/>
+          <p:cNvSpPr/>
+          <p:nvPr/>
+        </p:nvSpPr>
+        <p:spPr>
+          <a:xfrm>
+            <a:off x="4932040" y="4797152"/>
+            <a:ext cx="72008" cy="72008"/>
+          </a:xfrm>
+          <a:prstGeom prst="ellipse">
+            <a:avLst/>
+          </a:prstGeom>
+        </p:spPr>
+        <p:style>
+          <a:lnRef idx="2">
+            <a:schemeClr val="dk1">
+              <a:shade val="50000"/>
+            </a:schemeClr>
+          </a:lnRef>
+          <a:fillRef idx="1">
+            <a:schemeClr val="dk1"/>
+          </a:fillRef>
+          <a:effectRef idx="0">
+            <a:schemeClr val="dk1"/>
+          </a:effectRef>
+          <a:fontRef idx="minor">
+            <a:schemeClr val="lt1"/>
+          </a:fontRef>
+        </p:style>
+        <p:txBody>
+          <a:bodyPr rtlCol="0" anchor="ctr"/>
+          <a:lstStyle/>
+          <a:p>
+            <a:pPr algn="ctr"/>
+            <a:endParaRPr lang="ru-RU"/>
+          </a:p>
+        </p:txBody>
+      </p:sp>
+      <p:sp>
+        <p:nvSpPr>
+          <p:cNvPr id="14" name="Овал 13"/>
+          <p:cNvSpPr/>
+          <p:nvPr/>
+        </p:nvSpPr>
+        <p:spPr>
+          <a:xfrm>
+            <a:off x="5940152" y="4797152"/>
+            <a:ext cx="72008" cy="72008"/>
+          </a:xfrm>
+          <a:prstGeom prst="ellipse">
+            <a:avLst/>
+          </a:prstGeom>
+        </p:spPr>
+        <p:style>
+          <a:lnRef idx="2">
+            <a:schemeClr val="dk1">
+              <a:shade val="50000"/>
+            </a:schemeClr>
+          </a:lnRef>
+          <a:fillRef idx="1">
+            <a:schemeClr val="dk1"/>
+          </a:fillRef>
+          <a:effectRef idx="0">
+            <a:schemeClr val="dk1"/>
+          </a:effectRef>
+          <a:fontRef idx="minor">
+            <a:schemeClr val="lt1"/>
+          </a:fontRef>
+        </p:style>
+        <p:txBody>
+          <a:bodyPr rtlCol="0" anchor="ctr"/>
+          <a:lstStyle/>
+          <a:p>
+            <a:pPr algn="ctr"/>
+            <a:endParaRPr lang="ru-RU"/>
+          </a:p>
+        </p:txBody>
+      </p:sp>
+      <p:sp>
+        <p:nvSpPr>
+          <p:cNvPr id="15" name="Овал 14"/>
+          <p:cNvSpPr/>
+          <p:nvPr/>
+        </p:nvSpPr>
+        <p:spPr>
+          <a:xfrm>
+            <a:off x="7236296" y="4797152"/>
+            <a:ext cx="72008" cy="72008"/>
+          </a:xfrm>
+          <a:prstGeom prst="ellipse">
+            <a:avLst/>
+          </a:prstGeom>
+        </p:spPr>
+        <p:style>
+          <a:lnRef idx="2">
+            <a:schemeClr val="dk1">
+              <a:shade val="50000"/>
+            </a:schemeClr>
+          </a:lnRef>
+          <a:fillRef idx="1">
+            <a:schemeClr val="dk1"/>
+          </a:fillRef>
+          <a:effectRef idx="0">
+            <a:schemeClr val="dk1"/>
+          </a:effectRef>
+          <a:fontRef idx="minor">
+            <a:schemeClr val="lt1"/>
+          </a:fontRef>
+        </p:style>
+        <p:txBody>
+          <a:bodyPr rtlCol="0" anchor="ctr"/>
+          <a:lstStyle/>
+          <a:p>
+            <a:pPr algn="ctr"/>
+            <a:endParaRPr lang="ru-RU"/>
+          </a:p>
+        </p:txBody>
+      </p:sp>
+      <p:sp>
+        <p:nvSpPr>
+          <p:cNvPr id="16" name="Овал 15"/>
+          <p:cNvSpPr/>
+          <p:nvPr/>
+        </p:nvSpPr>
+        <p:spPr>
+          <a:xfrm>
+            <a:off x="8460432" y="4797152"/>
+            <a:ext cx="72008" cy="72008"/>
+          </a:xfrm>
+          <a:prstGeom prst="ellipse">
+            <a:avLst/>
+          </a:prstGeom>
+        </p:spPr>
+        <p:style>
+          <a:lnRef idx="2">
+            <a:schemeClr val="dk1">
+              <a:shade val="50000"/>
+            </a:schemeClr>
+          </a:lnRef>
+          <a:fillRef idx="1">
+            <a:schemeClr val="dk1"/>
+          </a:fillRef>
+          <a:effectRef idx="0">
+            <a:schemeClr val="dk1"/>
+          </a:effectRef>
+          <a:fontRef idx="minor">
+            <a:schemeClr val="lt1"/>
+          </a:fontRef>
+        </p:style>
+        <p:txBody>
+          <a:bodyPr rtlCol="0" anchor="ctr"/>
+          <a:lstStyle/>
+          <a:p>
+            <a:pPr algn="ctr"/>
+            <a:endParaRPr lang="ru-RU"/>
+          </a:p>
+        </p:txBody>
+      </p:sp>
     </p:spTree>
     <p:extLst>
       <p:ext uri="{BB962C8B-B14F-4D97-AF65-F5344CB8AC3E}">
@@ -11373,17 +11857,7 @@
                 <a:latin typeface="Arial" panose="020B0604020202020204" pitchFamily="34" charset="0"/>
                 <a:cs typeface="Arial" panose="020B0604020202020204" pitchFamily="34" charset="0"/>
               </a:rPr>
-              <a:t>Отбор родителей на основе значений </a:t>
-            </a:r>
-            <a:r>
-              <a:rPr lang="ru-RU" sz="2800" dirty="0" smtClean="0">
-                <a:solidFill>
-                  <a:schemeClr val="tx1"/>
-                </a:solidFill>
-                <a:latin typeface="Arial" panose="020B0604020202020204" pitchFamily="34" charset="0"/>
-                <a:cs typeface="Arial" panose="020B0604020202020204" pitchFamily="34" charset="0"/>
-              </a:rPr>
-              <a:t>приспособленности</a:t>
+              <a:t>Отбор родителей на основе значений приспособленности</a:t>
             </a:r>
             <a:endParaRPr lang="ru-RU" sz="2800" dirty="0">
               <a:solidFill>
@@ -12000,12 +12474,18 @@
             <a:pPr algn="ctr"/>
             <a:r>
               <a:rPr lang="ru-RU" sz="2400" b="1" dirty="0" smtClean="0">
+                <a:solidFill>
+                  <a:schemeClr val="bg1"/>
+                </a:solidFill>
                 <a:latin typeface="Arial" panose="020B0604020202020204" pitchFamily="34" charset="0"/>
                 <a:cs typeface="Arial" panose="020B0604020202020204" pitchFamily="34" charset="0"/>
               </a:rPr>
               <a:t>Генетический алгоритм</a:t>
             </a:r>
             <a:endParaRPr lang="ru-RU" sz="2400" b="1" dirty="0">
+              <a:solidFill>
+                <a:schemeClr val="bg1"/>
+              </a:solidFill>
               <a:latin typeface="Arial" panose="020B0604020202020204" pitchFamily="34" charset="0"/>
               <a:cs typeface="Arial" panose="020B0604020202020204" pitchFamily="34" charset="0"/>
             </a:endParaRPr>
